--- a/Presentation_2/blockDiagram.pptx
+++ b/Presentation_2/blockDiagram.pptx
@@ -7,6 +7,7 @@
   <p:sldIdLst>
     <p:sldId id="256" r:id="rId2"/>
     <p:sldId id="257" r:id="rId3"/>
+    <p:sldId id="258" r:id="rId4"/>
   </p:sldIdLst>
   <p:sldSz cx="12192000" cy="6858000"/>
   <p:notesSz cx="6858000" cy="9144000"/>
@@ -8793,6 +8794,1500 @@
 </p:sld>
 </file>
 
+<file path=ppt/slides/slide3.xml><?xml version="1.0" encoding="utf-8"?>
+<p:sld xmlns:a="http://schemas.openxmlformats.org/drawingml/2006/main" xmlns:r="http://schemas.openxmlformats.org/officeDocument/2006/relationships" xmlns:p="http://schemas.openxmlformats.org/presentationml/2006/main">
+  <p:cSld>
+    <p:spTree>
+      <p:nvGrpSpPr>
+        <p:cNvPr id="1" name=""/>
+        <p:cNvGrpSpPr/>
+        <p:nvPr/>
+      </p:nvGrpSpPr>
+      <p:grpSpPr>
+        <a:xfrm>
+          <a:off x="0" y="0"/>
+          <a:ext cx="0" cy="0"/>
+          <a:chOff x="0" y="0"/>
+          <a:chExt cx="0" cy="0"/>
+        </a:xfrm>
+      </p:grpSpPr>
+      <p:sp>
+        <p:nvSpPr>
+          <p:cNvPr id="4" name="Rectangle: Rounded Corners 3">
+            <a:extLst>
+              <a:ext uri="{FF2B5EF4-FFF2-40B4-BE49-F238E27FC236}">
+                <a16:creationId xmlns:a16="http://schemas.microsoft.com/office/drawing/2014/main" id="{AC4ECDE3-46CD-4D59-B10D-5BCB92AB4A62}"/>
+              </a:ext>
+            </a:extLst>
+          </p:cNvPr>
+          <p:cNvSpPr/>
+          <p:nvPr/>
+        </p:nvSpPr>
+        <p:spPr>
+          <a:xfrm>
+            <a:off x="6823883" y="2825090"/>
+            <a:ext cx="2110854" cy="2006221"/>
+          </a:xfrm>
+          <a:prstGeom prst="roundRect">
+            <a:avLst>
+              <a:gd name="adj" fmla="val 5580"/>
+            </a:avLst>
+          </a:prstGeom>
+          <a:solidFill>
+            <a:schemeClr val="bg1">
+              <a:lumMod val="85000"/>
+            </a:schemeClr>
+          </a:solidFill>
+        </p:spPr>
+        <p:style>
+          <a:lnRef idx="2">
+            <a:schemeClr val="dk1"/>
+          </a:lnRef>
+          <a:fillRef idx="1">
+            <a:schemeClr val="lt1"/>
+          </a:fillRef>
+          <a:effectRef idx="0">
+            <a:schemeClr val="dk1"/>
+          </a:effectRef>
+          <a:fontRef idx="minor">
+            <a:schemeClr val="dk1"/>
+          </a:fontRef>
+        </p:style>
+        <p:txBody>
+          <a:bodyPr rtlCol="0" anchor="ctr"/>
+          <a:lstStyle/>
+          <a:p>
+            <a:pPr algn="ctr"/>
+            <a:r>
+              <a:rPr lang="en-US" b="1" dirty="0"/>
+              <a:t>RTAB-Map</a:t>
+            </a:r>
+          </a:p>
+        </p:txBody>
+      </p:sp>
+      <p:cxnSp>
+        <p:nvCxnSpPr>
+          <p:cNvPr id="6" name="Straight Arrow Connector 5">
+            <a:extLst>
+              <a:ext uri="{FF2B5EF4-FFF2-40B4-BE49-F238E27FC236}">
+                <a16:creationId xmlns:a16="http://schemas.microsoft.com/office/drawing/2014/main" id="{B068F7D8-72B1-401C-A290-61ACA53CFADF}"/>
+              </a:ext>
+            </a:extLst>
+          </p:cNvPr>
+          <p:cNvCxnSpPr/>
+          <p:nvPr/>
+        </p:nvCxnSpPr>
+        <p:spPr>
+          <a:xfrm>
+            <a:off x="8934737" y="3016160"/>
+            <a:ext cx="1260143" cy="0"/>
+          </a:xfrm>
+          <a:prstGeom prst="straightConnector1">
+            <a:avLst/>
+          </a:prstGeom>
+          <a:ln>
+            <a:tailEnd type="triangle"/>
+          </a:ln>
+        </p:spPr>
+        <p:style>
+          <a:lnRef idx="1">
+            <a:schemeClr val="dk1"/>
+          </a:lnRef>
+          <a:fillRef idx="0">
+            <a:schemeClr val="dk1"/>
+          </a:fillRef>
+          <a:effectRef idx="0">
+            <a:schemeClr val="dk1"/>
+          </a:effectRef>
+          <a:fontRef idx="minor">
+            <a:schemeClr val="tx1"/>
+          </a:fontRef>
+        </p:style>
+      </p:cxnSp>
+      <p:cxnSp>
+        <p:nvCxnSpPr>
+          <p:cNvPr id="7" name="Straight Arrow Connector 6">
+            <a:extLst>
+              <a:ext uri="{FF2B5EF4-FFF2-40B4-BE49-F238E27FC236}">
+                <a16:creationId xmlns:a16="http://schemas.microsoft.com/office/drawing/2014/main" id="{D1CA9B2E-11A9-4FED-AD7B-94639426416A}"/>
+              </a:ext>
+            </a:extLst>
+          </p:cNvPr>
+          <p:cNvCxnSpPr/>
+          <p:nvPr/>
+        </p:nvCxnSpPr>
+        <p:spPr>
+          <a:xfrm>
+            <a:off x="8934737" y="3345981"/>
+            <a:ext cx="1260143" cy="0"/>
+          </a:xfrm>
+          <a:prstGeom prst="straightConnector1">
+            <a:avLst/>
+          </a:prstGeom>
+          <a:ln>
+            <a:tailEnd type="triangle"/>
+          </a:ln>
+        </p:spPr>
+        <p:style>
+          <a:lnRef idx="1">
+            <a:schemeClr val="dk1"/>
+          </a:lnRef>
+          <a:fillRef idx="0">
+            <a:schemeClr val="dk1"/>
+          </a:fillRef>
+          <a:effectRef idx="0">
+            <a:schemeClr val="dk1"/>
+          </a:effectRef>
+          <a:fontRef idx="minor">
+            <a:schemeClr val="tx1"/>
+          </a:fontRef>
+        </p:style>
+      </p:cxnSp>
+      <p:cxnSp>
+        <p:nvCxnSpPr>
+          <p:cNvPr id="8" name="Straight Arrow Connector 7">
+            <a:extLst>
+              <a:ext uri="{FF2B5EF4-FFF2-40B4-BE49-F238E27FC236}">
+                <a16:creationId xmlns:a16="http://schemas.microsoft.com/office/drawing/2014/main" id="{3A01716E-1A41-4BDC-B028-4E123DC2E846}"/>
+              </a:ext>
+            </a:extLst>
+          </p:cNvPr>
+          <p:cNvCxnSpPr/>
+          <p:nvPr/>
+        </p:nvCxnSpPr>
+        <p:spPr>
+          <a:xfrm>
+            <a:off x="8934737" y="3700822"/>
+            <a:ext cx="1260143" cy="0"/>
+          </a:xfrm>
+          <a:prstGeom prst="straightConnector1">
+            <a:avLst/>
+          </a:prstGeom>
+          <a:ln>
+            <a:tailEnd type="triangle"/>
+          </a:ln>
+        </p:spPr>
+        <p:style>
+          <a:lnRef idx="1">
+            <a:schemeClr val="dk1"/>
+          </a:lnRef>
+          <a:fillRef idx="0">
+            <a:schemeClr val="dk1"/>
+          </a:fillRef>
+          <a:effectRef idx="0">
+            <a:schemeClr val="dk1"/>
+          </a:effectRef>
+          <a:fontRef idx="minor">
+            <a:schemeClr val="tx1"/>
+          </a:fontRef>
+        </p:style>
+      </p:cxnSp>
+      <p:cxnSp>
+        <p:nvCxnSpPr>
+          <p:cNvPr id="9" name="Straight Arrow Connector 8">
+            <a:extLst>
+              <a:ext uri="{FF2B5EF4-FFF2-40B4-BE49-F238E27FC236}">
+                <a16:creationId xmlns:a16="http://schemas.microsoft.com/office/drawing/2014/main" id="{67794730-337D-4B9F-9AAF-58743394229A}"/>
+              </a:ext>
+            </a:extLst>
+          </p:cNvPr>
+          <p:cNvCxnSpPr/>
+          <p:nvPr/>
+        </p:nvCxnSpPr>
+        <p:spPr>
+          <a:xfrm>
+            <a:off x="8934737" y="4030643"/>
+            <a:ext cx="1260143" cy="0"/>
+          </a:xfrm>
+          <a:prstGeom prst="straightConnector1">
+            <a:avLst/>
+          </a:prstGeom>
+          <a:ln>
+            <a:tailEnd type="triangle"/>
+          </a:ln>
+        </p:spPr>
+        <p:style>
+          <a:lnRef idx="1">
+            <a:schemeClr val="dk1"/>
+          </a:lnRef>
+          <a:fillRef idx="0">
+            <a:schemeClr val="dk1"/>
+          </a:fillRef>
+          <a:effectRef idx="0">
+            <a:schemeClr val="dk1"/>
+          </a:effectRef>
+          <a:fontRef idx="minor">
+            <a:schemeClr val="tx1"/>
+          </a:fontRef>
+        </p:style>
+      </p:cxnSp>
+      <p:cxnSp>
+        <p:nvCxnSpPr>
+          <p:cNvPr id="10" name="Straight Arrow Connector 9">
+            <a:extLst>
+              <a:ext uri="{FF2B5EF4-FFF2-40B4-BE49-F238E27FC236}">
+                <a16:creationId xmlns:a16="http://schemas.microsoft.com/office/drawing/2014/main" id="{8B214F6F-80E5-403F-A039-4AE77564E28A}"/>
+              </a:ext>
+            </a:extLst>
+          </p:cNvPr>
+          <p:cNvCxnSpPr/>
+          <p:nvPr/>
+        </p:nvCxnSpPr>
+        <p:spPr>
+          <a:xfrm>
+            <a:off x="8934737" y="4342267"/>
+            <a:ext cx="1260143" cy="0"/>
+          </a:xfrm>
+          <a:prstGeom prst="straightConnector1">
+            <a:avLst/>
+          </a:prstGeom>
+          <a:ln>
+            <a:tailEnd type="triangle"/>
+          </a:ln>
+        </p:spPr>
+        <p:style>
+          <a:lnRef idx="1">
+            <a:schemeClr val="dk1"/>
+          </a:lnRef>
+          <a:fillRef idx="0">
+            <a:schemeClr val="dk1"/>
+          </a:fillRef>
+          <a:effectRef idx="0">
+            <a:schemeClr val="dk1"/>
+          </a:effectRef>
+          <a:fontRef idx="minor">
+            <a:schemeClr val="tx1"/>
+          </a:fontRef>
+        </p:style>
+      </p:cxnSp>
+      <p:cxnSp>
+        <p:nvCxnSpPr>
+          <p:cNvPr id="11" name="Straight Arrow Connector 10">
+            <a:extLst>
+              <a:ext uri="{FF2B5EF4-FFF2-40B4-BE49-F238E27FC236}">
+                <a16:creationId xmlns:a16="http://schemas.microsoft.com/office/drawing/2014/main" id="{C9F80D67-5979-48B1-8528-BACAF770BE14}"/>
+              </a:ext>
+            </a:extLst>
+          </p:cNvPr>
+          <p:cNvCxnSpPr/>
+          <p:nvPr/>
+        </p:nvCxnSpPr>
+        <p:spPr>
+          <a:xfrm>
+            <a:off x="8934737" y="4672088"/>
+            <a:ext cx="1260143" cy="0"/>
+          </a:xfrm>
+          <a:prstGeom prst="straightConnector1">
+            <a:avLst/>
+          </a:prstGeom>
+          <a:ln>
+            <a:tailEnd type="triangle"/>
+          </a:ln>
+        </p:spPr>
+        <p:style>
+          <a:lnRef idx="1">
+            <a:schemeClr val="dk1"/>
+          </a:lnRef>
+          <a:fillRef idx="0">
+            <a:schemeClr val="dk1"/>
+          </a:fillRef>
+          <a:effectRef idx="0">
+            <a:schemeClr val="dk1"/>
+          </a:effectRef>
+          <a:fontRef idx="minor">
+            <a:schemeClr val="tx1"/>
+          </a:fontRef>
+        </p:style>
+      </p:cxnSp>
+      <p:sp>
+        <p:nvSpPr>
+          <p:cNvPr id="12" name="TextBox 11">
+            <a:extLst>
+              <a:ext uri="{FF2B5EF4-FFF2-40B4-BE49-F238E27FC236}">
+                <a16:creationId xmlns:a16="http://schemas.microsoft.com/office/drawing/2014/main" id="{EDECF9F0-0435-40B8-87B5-2BF3B291BE48}"/>
+              </a:ext>
+            </a:extLst>
+          </p:cNvPr>
+          <p:cNvSpPr txBox="1"/>
+          <p:nvPr/>
+        </p:nvSpPr>
+        <p:spPr>
+          <a:xfrm>
+            <a:off x="10194880" y="2806475"/>
+            <a:ext cx="1103059" cy="369332"/>
+          </a:xfrm>
+          <a:prstGeom prst="rect">
+            <a:avLst/>
+          </a:prstGeom>
+          <a:noFill/>
+        </p:spPr>
+        <p:txBody>
+          <a:bodyPr wrap="none" rtlCol="0">
+            <a:spAutoFit/>
+          </a:bodyPr>
+          <a:lstStyle/>
+          <a:p>
+            <a:r>
+              <a:rPr lang="en-US" dirty="0"/>
+              <a:t>Map Data</a:t>
+            </a:r>
+          </a:p>
+        </p:txBody>
+      </p:sp>
+      <p:sp>
+        <p:nvSpPr>
+          <p:cNvPr id="13" name="TextBox 12">
+            <a:extLst>
+              <a:ext uri="{FF2B5EF4-FFF2-40B4-BE49-F238E27FC236}">
+                <a16:creationId xmlns:a16="http://schemas.microsoft.com/office/drawing/2014/main" id="{DFFAAB32-7B7D-4E70-8B07-8169FAF8324B}"/>
+              </a:ext>
+            </a:extLst>
+          </p:cNvPr>
+          <p:cNvSpPr txBox="1"/>
+          <p:nvPr/>
+        </p:nvSpPr>
+        <p:spPr>
+          <a:xfrm>
+            <a:off x="10194880" y="3162031"/>
+            <a:ext cx="1242712" cy="369332"/>
+          </a:xfrm>
+          <a:prstGeom prst="rect">
+            <a:avLst/>
+          </a:prstGeom>
+          <a:noFill/>
+        </p:spPr>
+        <p:txBody>
+          <a:bodyPr wrap="none" rtlCol="0">
+            <a:spAutoFit/>
+          </a:bodyPr>
+          <a:lstStyle/>
+          <a:p>
+            <a:r>
+              <a:rPr lang="en-US" dirty="0"/>
+              <a:t>Map Graph</a:t>
+            </a:r>
+          </a:p>
+        </p:txBody>
+      </p:sp>
+      <p:sp>
+        <p:nvSpPr>
+          <p:cNvPr id="14" name="TextBox 13">
+            <a:extLst>
+              <a:ext uri="{FF2B5EF4-FFF2-40B4-BE49-F238E27FC236}">
+                <a16:creationId xmlns:a16="http://schemas.microsoft.com/office/drawing/2014/main" id="{53F6101C-0E1C-4D7D-B940-C3C6281A2DC4}"/>
+              </a:ext>
+            </a:extLst>
+          </p:cNvPr>
+          <p:cNvSpPr txBox="1"/>
+          <p:nvPr/>
+        </p:nvSpPr>
+        <p:spPr>
+          <a:xfrm>
+            <a:off x="10194880" y="3504784"/>
+            <a:ext cx="402674" cy="369332"/>
+          </a:xfrm>
+          <a:prstGeom prst="rect">
+            <a:avLst/>
+          </a:prstGeom>
+          <a:noFill/>
+        </p:spPr>
+        <p:txBody>
+          <a:bodyPr wrap="none" rtlCol="0">
+            <a:spAutoFit/>
+          </a:bodyPr>
+          <a:lstStyle/>
+          <a:p>
+            <a:r>
+              <a:rPr lang="en-US" dirty="0"/>
+              <a:t>TF</a:t>
+            </a:r>
+          </a:p>
+        </p:txBody>
+      </p:sp>
+      <p:sp>
+        <p:nvSpPr>
+          <p:cNvPr id="15" name="TextBox 14">
+            <a:extLst>
+              <a:ext uri="{FF2B5EF4-FFF2-40B4-BE49-F238E27FC236}">
+                <a16:creationId xmlns:a16="http://schemas.microsoft.com/office/drawing/2014/main" id="{92D05367-59B1-4FA1-8B75-A0233142C817}"/>
+              </a:ext>
+            </a:extLst>
+          </p:cNvPr>
+          <p:cNvSpPr txBox="1"/>
+          <p:nvPr/>
+        </p:nvSpPr>
+        <p:spPr>
+          <a:xfrm>
+            <a:off x="10194880" y="3828916"/>
+            <a:ext cx="1060868" cy="369332"/>
+          </a:xfrm>
+          <a:prstGeom prst="rect">
+            <a:avLst/>
+          </a:prstGeom>
+          <a:noFill/>
+        </p:spPr>
+        <p:txBody>
+          <a:bodyPr wrap="none" rtlCol="0">
+            <a:spAutoFit/>
+          </a:bodyPr>
+          <a:lstStyle/>
+          <a:p>
+            <a:r>
+              <a:rPr lang="en-US" dirty="0" err="1"/>
+              <a:t>OctoMap</a:t>
+            </a:r>
+            <a:endParaRPr lang="en-US" dirty="0"/>
+          </a:p>
+        </p:txBody>
+      </p:sp>
+      <p:sp>
+        <p:nvSpPr>
+          <p:cNvPr id="16" name="TextBox 15">
+            <a:extLst>
+              <a:ext uri="{FF2B5EF4-FFF2-40B4-BE49-F238E27FC236}">
+                <a16:creationId xmlns:a16="http://schemas.microsoft.com/office/drawing/2014/main" id="{537FD070-BE3E-4EC0-9ECE-88E9A53C239A}"/>
+              </a:ext>
+            </a:extLst>
+          </p:cNvPr>
+          <p:cNvSpPr txBox="1"/>
+          <p:nvPr/>
+        </p:nvSpPr>
+        <p:spPr>
+          <a:xfrm>
+            <a:off x="10194880" y="4157601"/>
+            <a:ext cx="1264770" cy="369332"/>
+          </a:xfrm>
+          <a:prstGeom prst="rect">
+            <a:avLst/>
+          </a:prstGeom>
+          <a:noFill/>
+        </p:spPr>
+        <p:txBody>
+          <a:bodyPr wrap="none" rtlCol="0">
+            <a:spAutoFit/>
+          </a:bodyPr>
+          <a:lstStyle/>
+          <a:p>
+            <a:r>
+              <a:rPr lang="en-US" dirty="0"/>
+              <a:t>Point Cloud</a:t>
+            </a:r>
+          </a:p>
+        </p:txBody>
+      </p:sp>
+      <p:sp>
+        <p:nvSpPr>
+          <p:cNvPr id="17" name="TextBox 16">
+            <a:extLst>
+              <a:ext uri="{FF2B5EF4-FFF2-40B4-BE49-F238E27FC236}">
+                <a16:creationId xmlns:a16="http://schemas.microsoft.com/office/drawing/2014/main" id="{16A2F281-DF03-44F9-885B-47951765CCA0}"/>
+              </a:ext>
+            </a:extLst>
+          </p:cNvPr>
+          <p:cNvSpPr txBox="1"/>
+          <p:nvPr/>
+        </p:nvSpPr>
+        <p:spPr>
+          <a:xfrm>
+            <a:off x="10194880" y="4482872"/>
+            <a:ext cx="1976823" cy="369332"/>
+          </a:xfrm>
+          <a:prstGeom prst="rect">
+            <a:avLst/>
+          </a:prstGeom>
+          <a:noFill/>
+        </p:spPr>
+        <p:txBody>
+          <a:bodyPr wrap="none" rtlCol="0">
+            <a:spAutoFit/>
+          </a:bodyPr>
+          <a:lstStyle/>
+          <a:p>
+            <a:r>
+              <a:rPr lang="en-US" dirty="0"/>
+              <a:t>2D Occupancy Grid</a:t>
+            </a:r>
+          </a:p>
+        </p:txBody>
+      </p:sp>
+      <p:sp>
+        <p:nvSpPr>
+          <p:cNvPr id="18" name="Rectangle: Rounded Corners 17">
+            <a:extLst>
+              <a:ext uri="{FF2B5EF4-FFF2-40B4-BE49-F238E27FC236}">
+                <a16:creationId xmlns:a16="http://schemas.microsoft.com/office/drawing/2014/main" id="{C732E483-53A3-4383-B405-CD9AE8B068B6}"/>
+              </a:ext>
+            </a:extLst>
+          </p:cNvPr>
+          <p:cNvSpPr/>
+          <p:nvPr/>
+        </p:nvSpPr>
+        <p:spPr>
+          <a:xfrm>
+            <a:off x="1935634" y="2820961"/>
+            <a:ext cx="2110854" cy="2006221"/>
+          </a:xfrm>
+          <a:prstGeom prst="roundRect">
+            <a:avLst>
+              <a:gd name="adj" fmla="val 5580"/>
+            </a:avLst>
+          </a:prstGeom>
+          <a:solidFill>
+            <a:schemeClr val="bg1">
+              <a:lumMod val="85000"/>
+            </a:schemeClr>
+          </a:solidFill>
+        </p:spPr>
+        <p:style>
+          <a:lnRef idx="2">
+            <a:schemeClr val="dk1"/>
+          </a:lnRef>
+          <a:fillRef idx="1">
+            <a:schemeClr val="lt1"/>
+          </a:fillRef>
+          <a:effectRef idx="0">
+            <a:schemeClr val="dk1"/>
+          </a:effectRef>
+          <a:fontRef idx="minor">
+            <a:schemeClr val="dk1"/>
+          </a:fontRef>
+        </p:style>
+        <p:txBody>
+          <a:bodyPr rtlCol="0" anchor="ctr"/>
+          <a:lstStyle/>
+          <a:p>
+            <a:pPr algn="ctr"/>
+            <a:r>
+              <a:rPr lang="en-US" b="1" dirty="0"/>
+              <a:t>ORB-SLAM2</a:t>
+            </a:r>
+          </a:p>
+        </p:txBody>
+      </p:sp>
+      <p:cxnSp>
+        <p:nvCxnSpPr>
+          <p:cNvPr id="19" name="Straight Arrow Connector 18">
+            <a:extLst>
+              <a:ext uri="{FF2B5EF4-FFF2-40B4-BE49-F238E27FC236}">
+                <a16:creationId xmlns:a16="http://schemas.microsoft.com/office/drawing/2014/main" id="{79F607E0-3857-4316-AA8C-67EA4848B960}"/>
+              </a:ext>
+            </a:extLst>
+          </p:cNvPr>
+          <p:cNvCxnSpPr>
+            <a:cxnSpLocks/>
+          </p:cNvCxnSpPr>
+          <p:nvPr/>
+        </p:nvCxnSpPr>
+        <p:spPr>
+          <a:xfrm>
+            <a:off x="4060204" y="3360467"/>
+            <a:ext cx="630071" cy="0"/>
+          </a:xfrm>
+          <a:prstGeom prst="straightConnector1">
+            <a:avLst/>
+          </a:prstGeom>
+          <a:ln>
+            <a:tailEnd type="triangle"/>
+          </a:ln>
+        </p:spPr>
+        <p:style>
+          <a:lnRef idx="1">
+            <a:schemeClr val="dk1"/>
+          </a:lnRef>
+          <a:fillRef idx="0">
+            <a:schemeClr val="dk1"/>
+          </a:fillRef>
+          <a:effectRef idx="0">
+            <a:schemeClr val="dk1"/>
+          </a:effectRef>
+          <a:fontRef idx="minor">
+            <a:schemeClr val="tx1"/>
+          </a:fontRef>
+        </p:style>
+      </p:cxnSp>
+      <p:cxnSp>
+        <p:nvCxnSpPr>
+          <p:cNvPr id="20" name="Straight Arrow Connector 19">
+            <a:extLst>
+              <a:ext uri="{FF2B5EF4-FFF2-40B4-BE49-F238E27FC236}">
+                <a16:creationId xmlns:a16="http://schemas.microsoft.com/office/drawing/2014/main" id="{B8C833CD-CB8D-4049-8074-AF5D7E0F2937}"/>
+              </a:ext>
+            </a:extLst>
+          </p:cNvPr>
+          <p:cNvCxnSpPr/>
+          <p:nvPr/>
+        </p:nvCxnSpPr>
+        <p:spPr>
+          <a:xfrm>
+            <a:off x="4060204" y="4356753"/>
+            <a:ext cx="1260143" cy="0"/>
+          </a:xfrm>
+          <a:prstGeom prst="straightConnector1">
+            <a:avLst/>
+          </a:prstGeom>
+          <a:ln w="19050">
+            <a:tailEnd type="triangle"/>
+          </a:ln>
+        </p:spPr>
+        <p:style>
+          <a:lnRef idx="1">
+            <a:schemeClr val="dk1"/>
+          </a:lnRef>
+          <a:fillRef idx="0">
+            <a:schemeClr val="dk1"/>
+          </a:fillRef>
+          <a:effectRef idx="0">
+            <a:schemeClr val="dk1"/>
+          </a:effectRef>
+          <a:fontRef idx="minor">
+            <a:schemeClr val="tx1"/>
+          </a:fontRef>
+        </p:style>
+      </p:cxnSp>
+      <p:sp>
+        <p:nvSpPr>
+          <p:cNvPr id="22" name="TextBox 21">
+            <a:extLst>
+              <a:ext uri="{FF2B5EF4-FFF2-40B4-BE49-F238E27FC236}">
+                <a16:creationId xmlns:a16="http://schemas.microsoft.com/office/drawing/2014/main" id="{C4B28851-8653-4236-9829-E4DF13C3C3F6}"/>
+              </a:ext>
+            </a:extLst>
+          </p:cNvPr>
+          <p:cNvSpPr txBox="1"/>
+          <p:nvPr/>
+        </p:nvSpPr>
+        <p:spPr>
+          <a:xfrm>
+            <a:off x="4008418" y="2992546"/>
+            <a:ext cx="625684" cy="369332"/>
+          </a:xfrm>
+          <a:prstGeom prst="rect">
+            <a:avLst/>
+          </a:prstGeom>
+          <a:noFill/>
+        </p:spPr>
+        <p:txBody>
+          <a:bodyPr wrap="none" rtlCol="0">
+            <a:spAutoFit/>
+          </a:bodyPr>
+          <a:lstStyle/>
+          <a:p>
+            <a:r>
+              <a:rPr lang="en-US" dirty="0"/>
+              <a:t>Pose</a:t>
+            </a:r>
+          </a:p>
+        </p:txBody>
+      </p:sp>
+      <p:sp>
+        <p:nvSpPr>
+          <p:cNvPr id="23" name="TextBox 22">
+            <a:extLst>
+              <a:ext uri="{FF2B5EF4-FFF2-40B4-BE49-F238E27FC236}">
+                <a16:creationId xmlns:a16="http://schemas.microsoft.com/office/drawing/2014/main" id="{531D5738-E42B-4CC4-9E9F-2396EEC248E1}"/>
+              </a:ext>
+            </a:extLst>
+          </p:cNvPr>
+          <p:cNvSpPr txBox="1"/>
+          <p:nvPr/>
+        </p:nvSpPr>
+        <p:spPr>
+          <a:xfrm>
+            <a:off x="4005559" y="3991213"/>
+            <a:ext cx="1268874" cy="369332"/>
+          </a:xfrm>
+          <a:prstGeom prst="rect">
+            <a:avLst/>
+          </a:prstGeom>
+          <a:noFill/>
+        </p:spPr>
+        <p:txBody>
+          <a:bodyPr wrap="none" rtlCol="0">
+            <a:spAutoFit/>
+          </a:bodyPr>
+          <a:lstStyle/>
+          <a:p>
+            <a:r>
+              <a:rPr lang="en-US" b="1" dirty="0"/>
+              <a:t>Map Points</a:t>
+            </a:r>
+          </a:p>
+        </p:txBody>
+      </p:sp>
+      <p:sp>
+        <p:nvSpPr>
+          <p:cNvPr id="73" name="Rectangle 72">
+            <a:extLst>
+              <a:ext uri="{FF2B5EF4-FFF2-40B4-BE49-F238E27FC236}">
+                <a16:creationId xmlns:a16="http://schemas.microsoft.com/office/drawing/2014/main" id="{578DCC55-3115-4EF3-80F5-2237182D87AC}"/>
+              </a:ext>
+            </a:extLst>
+          </p:cNvPr>
+          <p:cNvSpPr/>
+          <p:nvPr/>
+        </p:nvSpPr>
+        <p:spPr>
+          <a:xfrm>
+            <a:off x="266700" y="1860548"/>
+            <a:ext cx="1790667" cy="614146"/>
+          </a:xfrm>
+          <a:prstGeom prst="rect">
+            <a:avLst/>
+          </a:prstGeom>
+          <a:ln>
+            <a:solidFill>
+              <a:srgbClr val="FF0000"/>
+            </a:solidFill>
+            <a:prstDash val="dash"/>
+          </a:ln>
+        </p:spPr>
+        <p:style>
+          <a:lnRef idx="2">
+            <a:schemeClr val="dk1"/>
+          </a:lnRef>
+          <a:fillRef idx="1">
+            <a:schemeClr val="lt1"/>
+          </a:fillRef>
+          <a:effectRef idx="0">
+            <a:schemeClr val="dk1"/>
+          </a:effectRef>
+          <a:fontRef idx="minor">
+            <a:schemeClr val="dk1"/>
+          </a:fontRef>
+        </p:style>
+        <p:txBody>
+          <a:bodyPr rtlCol="0" anchor="ctr"/>
+          <a:lstStyle/>
+          <a:p>
+            <a:pPr algn="ctr"/>
+            <a:endParaRPr lang="en-US">
+              <a:solidFill>
+                <a:srgbClr val="FF0000"/>
+              </a:solidFill>
+            </a:endParaRPr>
+          </a:p>
+        </p:txBody>
+      </p:sp>
+      <p:cxnSp>
+        <p:nvCxnSpPr>
+          <p:cNvPr id="25" name="Straight Arrow Connector 24">
+            <a:extLst>
+              <a:ext uri="{FF2B5EF4-FFF2-40B4-BE49-F238E27FC236}">
+                <a16:creationId xmlns:a16="http://schemas.microsoft.com/office/drawing/2014/main" id="{2B961FE6-485F-462A-AFC5-0A89B92799DD}"/>
+              </a:ext>
+            </a:extLst>
+          </p:cNvPr>
+          <p:cNvCxnSpPr>
+            <a:cxnSpLocks/>
+          </p:cNvCxnSpPr>
+          <p:nvPr/>
+        </p:nvCxnSpPr>
+        <p:spPr>
+          <a:xfrm>
+            <a:off x="5336277" y="4359025"/>
+            <a:ext cx="1460300" cy="0"/>
+          </a:xfrm>
+          <a:prstGeom prst="straightConnector1">
+            <a:avLst/>
+          </a:prstGeom>
+          <a:ln w="19050">
+            <a:tailEnd type="triangle"/>
+          </a:ln>
+        </p:spPr>
+        <p:style>
+          <a:lnRef idx="1">
+            <a:schemeClr val="dk1"/>
+          </a:lnRef>
+          <a:fillRef idx="0">
+            <a:schemeClr val="dk1"/>
+          </a:fillRef>
+          <a:effectRef idx="0">
+            <a:schemeClr val="dk1"/>
+          </a:effectRef>
+          <a:fontRef idx="minor">
+            <a:schemeClr val="tx1"/>
+          </a:fontRef>
+        </p:style>
+      </p:cxnSp>
+      <p:sp>
+        <p:nvSpPr>
+          <p:cNvPr id="26" name="TextBox 25">
+            <a:extLst>
+              <a:ext uri="{FF2B5EF4-FFF2-40B4-BE49-F238E27FC236}">
+                <a16:creationId xmlns:a16="http://schemas.microsoft.com/office/drawing/2014/main" id="{61AEBA22-6358-49EC-94C6-39B8990A0FC5}"/>
+              </a:ext>
+            </a:extLst>
+          </p:cNvPr>
+          <p:cNvSpPr txBox="1"/>
+          <p:nvPr/>
+        </p:nvSpPr>
+        <p:spPr>
+          <a:xfrm>
+            <a:off x="5538898" y="3974721"/>
+            <a:ext cx="1286506" cy="369332"/>
+          </a:xfrm>
+          <a:prstGeom prst="rect">
+            <a:avLst/>
+          </a:prstGeom>
+          <a:noFill/>
+        </p:spPr>
+        <p:txBody>
+          <a:bodyPr wrap="none" rtlCol="0">
+            <a:spAutoFit/>
+          </a:bodyPr>
+          <a:lstStyle/>
+          <a:p>
+            <a:r>
+              <a:rPr lang="en-US" b="1" dirty="0"/>
+              <a:t>Point Cloud</a:t>
+            </a:r>
+          </a:p>
+        </p:txBody>
+      </p:sp>
+      <p:sp>
+        <p:nvSpPr>
+          <p:cNvPr id="38" name="Rectangle: Rounded Corners 37">
+            <a:extLst>
+              <a:ext uri="{FF2B5EF4-FFF2-40B4-BE49-F238E27FC236}">
+                <a16:creationId xmlns:a16="http://schemas.microsoft.com/office/drawing/2014/main" id="{F0FEC7A9-0687-4D29-9682-F58B41E8EF3D}"/>
+              </a:ext>
+            </a:extLst>
+          </p:cNvPr>
+          <p:cNvSpPr/>
+          <p:nvPr/>
+        </p:nvSpPr>
+        <p:spPr>
+          <a:xfrm>
+            <a:off x="-87289" y="1168731"/>
+            <a:ext cx="1121318" cy="614149"/>
+          </a:xfrm>
+          <a:prstGeom prst="roundRect">
+            <a:avLst/>
+          </a:prstGeom>
+        </p:spPr>
+        <p:style>
+          <a:lnRef idx="2">
+            <a:schemeClr val="accent1"/>
+          </a:lnRef>
+          <a:fillRef idx="1">
+            <a:schemeClr val="lt1"/>
+          </a:fillRef>
+          <a:effectRef idx="0">
+            <a:schemeClr val="accent1"/>
+          </a:effectRef>
+          <a:fontRef idx="minor">
+            <a:schemeClr val="dk1"/>
+          </a:fontRef>
+        </p:style>
+        <p:txBody>
+          <a:bodyPr rtlCol="0" anchor="ctr"/>
+          <a:lstStyle/>
+          <a:p>
+            <a:pPr algn="ctr"/>
+            <a:r>
+              <a:rPr lang="en-US" sz="1600" b="1" dirty="0"/>
+              <a:t>RGB-D Images</a:t>
+            </a:r>
+          </a:p>
+        </p:txBody>
+      </p:sp>
+      <p:sp>
+        <p:nvSpPr>
+          <p:cNvPr id="39" name="Rectangle: Rounded Corners 38">
+            <a:extLst>
+              <a:ext uri="{FF2B5EF4-FFF2-40B4-BE49-F238E27FC236}">
+                <a16:creationId xmlns:a16="http://schemas.microsoft.com/office/drawing/2014/main" id="{47531F27-EBDC-4B64-832C-63E9E3726408}"/>
+              </a:ext>
+            </a:extLst>
+          </p:cNvPr>
+          <p:cNvSpPr/>
+          <p:nvPr/>
+        </p:nvSpPr>
+        <p:spPr>
+          <a:xfrm>
+            <a:off x="1241093" y="1168730"/>
+            <a:ext cx="1121318" cy="614149"/>
+          </a:xfrm>
+          <a:prstGeom prst="roundRect">
+            <a:avLst/>
+          </a:prstGeom>
+        </p:spPr>
+        <p:style>
+          <a:lnRef idx="2">
+            <a:schemeClr val="accent1"/>
+          </a:lnRef>
+          <a:fillRef idx="1">
+            <a:schemeClr val="lt1"/>
+          </a:fillRef>
+          <a:effectRef idx="0">
+            <a:schemeClr val="accent1"/>
+          </a:effectRef>
+          <a:fontRef idx="minor">
+            <a:schemeClr val="dk1"/>
+          </a:fontRef>
+        </p:style>
+        <p:txBody>
+          <a:bodyPr rtlCol="0" anchor="ctr"/>
+          <a:lstStyle/>
+          <a:p>
+            <a:pPr algn="ctr"/>
+            <a:r>
+              <a:rPr lang="en-US" sz="1600" b="1" dirty="0"/>
+              <a:t>Stereo Images</a:t>
+            </a:r>
+          </a:p>
+        </p:txBody>
+      </p:sp>
+      <p:sp>
+        <p:nvSpPr>
+          <p:cNvPr id="40" name="Oval 39">
+            <a:extLst>
+              <a:ext uri="{FF2B5EF4-FFF2-40B4-BE49-F238E27FC236}">
+                <a16:creationId xmlns:a16="http://schemas.microsoft.com/office/drawing/2014/main" id="{B5D3CF00-B6E0-4CA5-A17A-80EB15BF10EC}"/>
+              </a:ext>
+            </a:extLst>
+          </p:cNvPr>
+          <p:cNvSpPr/>
+          <p:nvPr/>
+        </p:nvSpPr>
+        <p:spPr>
+          <a:xfrm>
+            <a:off x="413975" y="1938217"/>
+            <a:ext cx="118790" cy="118790"/>
+          </a:xfrm>
+          <a:prstGeom prst="ellipse">
+            <a:avLst/>
+          </a:prstGeom>
+        </p:spPr>
+        <p:style>
+          <a:lnRef idx="2">
+            <a:schemeClr val="dk1">
+              <a:shade val="50000"/>
+            </a:schemeClr>
+          </a:lnRef>
+          <a:fillRef idx="1">
+            <a:schemeClr val="dk1"/>
+          </a:fillRef>
+          <a:effectRef idx="0">
+            <a:schemeClr val="dk1"/>
+          </a:effectRef>
+          <a:fontRef idx="minor">
+            <a:schemeClr val="lt1"/>
+          </a:fontRef>
+        </p:style>
+        <p:txBody>
+          <a:bodyPr rtlCol="0" anchor="ctr"/>
+          <a:lstStyle/>
+          <a:p>
+            <a:pPr algn="ctr"/>
+            <a:endParaRPr lang="en-US"/>
+          </a:p>
+        </p:txBody>
+      </p:sp>
+      <p:sp>
+        <p:nvSpPr>
+          <p:cNvPr id="41" name="Oval 40">
+            <a:extLst>
+              <a:ext uri="{FF2B5EF4-FFF2-40B4-BE49-F238E27FC236}">
+                <a16:creationId xmlns:a16="http://schemas.microsoft.com/office/drawing/2014/main" id="{C6FE4B8A-D923-4583-AFE2-3F81A726AA5C}"/>
+              </a:ext>
+            </a:extLst>
+          </p:cNvPr>
+          <p:cNvSpPr/>
+          <p:nvPr/>
+        </p:nvSpPr>
+        <p:spPr>
+          <a:xfrm>
+            <a:off x="1742357" y="1938217"/>
+            <a:ext cx="118790" cy="118790"/>
+          </a:xfrm>
+          <a:prstGeom prst="ellipse">
+            <a:avLst/>
+          </a:prstGeom>
+        </p:spPr>
+        <p:style>
+          <a:lnRef idx="2">
+            <a:schemeClr val="dk1">
+              <a:shade val="50000"/>
+            </a:schemeClr>
+          </a:lnRef>
+          <a:fillRef idx="1">
+            <a:schemeClr val="dk1"/>
+          </a:fillRef>
+          <a:effectRef idx="0">
+            <a:schemeClr val="dk1"/>
+          </a:effectRef>
+          <a:fontRef idx="minor">
+            <a:schemeClr val="lt1"/>
+          </a:fontRef>
+        </p:style>
+        <p:txBody>
+          <a:bodyPr rtlCol="0" anchor="ctr"/>
+          <a:lstStyle/>
+          <a:p>
+            <a:pPr algn="ctr"/>
+            <a:endParaRPr lang="en-US"/>
+          </a:p>
+        </p:txBody>
+      </p:sp>
+      <p:cxnSp>
+        <p:nvCxnSpPr>
+          <p:cNvPr id="43" name="Straight Connector 42">
+            <a:extLst>
+              <a:ext uri="{FF2B5EF4-FFF2-40B4-BE49-F238E27FC236}">
+                <a16:creationId xmlns:a16="http://schemas.microsoft.com/office/drawing/2014/main" id="{B25A26E4-9328-4B09-ACB0-79F1C7052CEA}"/>
+              </a:ext>
+            </a:extLst>
+          </p:cNvPr>
+          <p:cNvCxnSpPr>
+            <a:stCxn id="38" idx="2"/>
+            <a:endCxn id="40" idx="0"/>
+          </p:cNvCxnSpPr>
+          <p:nvPr/>
+        </p:nvCxnSpPr>
+        <p:spPr>
+          <a:xfrm>
+            <a:off x="473370" y="1782880"/>
+            <a:ext cx="0" cy="155337"/>
+          </a:xfrm>
+          <a:prstGeom prst="line">
+            <a:avLst/>
+          </a:prstGeom>
+        </p:spPr>
+        <p:style>
+          <a:lnRef idx="1">
+            <a:schemeClr val="dk1"/>
+          </a:lnRef>
+          <a:fillRef idx="0">
+            <a:schemeClr val="dk1"/>
+          </a:fillRef>
+          <a:effectRef idx="0">
+            <a:schemeClr val="dk1"/>
+          </a:effectRef>
+          <a:fontRef idx="minor">
+            <a:schemeClr val="tx1"/>
+          </a:fontRef>
+        </p:style>
+      </p:cxnSp>
+      <p:cxnSp>
+        <p:nvCxnSpPr>
+          <p:cNvPr id="45" name="Straight Connector 44">
+            <a:extLst>
+              <a:ext uri="{FF2B5EF4-FFF2-40B4-BE49-F238E27FC236}">
+                <a16:creationId xmlns:a16="http://schemas.microsoft.com/office/drawing/2014/main" id="{C7EBE940-CC0A-4D8A-A1D7-55E787FAC383}"/>
+              </a:ext>
+            </a:extLst>
+          </p:cNvPr>
+          <p:cNvCxnSpPr>
+            <a:cxnSpLocks/>
+            <a:stCxn id="39" idx="2"/>
+            <a:endCxn id="41" idx="0"/>
+          </p:cNvCxnSpPr>
+          <p:nvPr/>
+        </p:nvCxnSpPr>
+        <p:spPr>
+          <a:xfrm>
+            <a:off x="1801752" y="1782879"/>
+            <a:ext cx="0" cy="155338"/>
+          </a:xfrm>
+          <a:prstGeom prst="line">
+            <a:avLst/>
+          </a:prstGeom>
+        </p:spPr>
+        <p:style>
+          <a:lnRef idx="1">
+            <a:schemeClr val="dk1"/>
+          </a:lnRef>
+          <a:fillRef idx="0">
+            <a:schemeClr val="dk1"/>
+          </a:fillRef>
+          <a:effectRef idx="0">
+            <a:schemeClr val="dk1"/>
+          </a:effectRef>
+          <a:fontRef idx="minor">
+            <a:schemeClr val="tx1"/>
+          </a:fontRef>
+        </p:style>
+      </p:cxnSp>
+      <p:sp>
+        <p:nvSpPr>
+          <p:cNvPr id="51" name="Oval 50">
+            <a:extLst>
+              <a:ext uri="{FF2B5EF4-FFF2-40B4-BE49-F238E27FC236}">
+                <a16:creationId xmlns:a16="http://schemas.microsoft.com/office/drawing/2014/main" id="{03651D07-5B13-4A64-8E6A-6F91DB718191}"/>
+              </a:ext>
+            </a:extLst>
+          </p:cNvPr>
+          <p:cNvSpPr/>
+          <p:nvPr/>
+        </p:nvSpPr>
+        <p:spPr>
+          <a:xfrm>
+            <a:off x="1042625" y="2257091"/>
+            <a:ext cx="118790" cy="118790"/>
+          </a:xfrm>
+          <a:prstGeom prst="ellipse">
+            <a:avLst/>
+          </a:prstGeom>
+        </p:spPr>
+        <p:style>
+          <a:lnRef idx="2">
+            <a:schemeClr val="dk1">
+              <a:shade val="50000"/>
+            </a:schemeClr>
+          </a:lnRef>
+          <a:fillRef idx="1">
+            <a:schemeClr val="dk1"/>
+          </a:fillRef>
+          <a:effectRef idx="0">
+            <a:schemeClr val="dk1"/>
+          </a:effectRef>
+          <a:fontRef idx="minor">
+            <a:schemeClr val="lt1"/>
+          </a:fontRef>
+        </p:style>
+        <p:txBody>
+          <a:bodyPr rtlCol="0" anchor="ctr"/>
+          <a:lstStyle/>
+          <a:p>
+            <a:pPr algn="ctr"/>
+            <a:endParaRPr lang="en-US"/>
+          </a:p>
+        </p:txBody>
+      </p:sp>
+      <p:cxnSp>
+        <p:nvCxnSpPr>
+          <p:cNvPr id="53" name="Connector: Elbow 52">
+            <a:extLst>
+              <a:ext uri="{FF2B5EF4-FFF2-40B4-BE49-F238E27FC236}">
+                <a16:creationId xmlns:a16="http://schemas.microsoft.com/office/drawing/2014/main" id="{90F937E9-7A19-4F61-93C6-596FBBCED8BA}"/>
+              </a:ext>
+            </a:extLst>
+          </p:cNvPr>
+          <p:cNvCxnSpPr>
+            <a:stCxn id="51" idx="4"/>
+            <a:endCxn id="18" idx="1"/>
+          </p:cNvCxnSpPr>
+          <p:nvPr/>
+        </p:nvCxnSpPr>
+        <p:spPr>
+          <a:xfrm rot="16200000" flipH="1">
+            <a:off x="794732" y="2683169"/>
+            <a:ext cx="1448191" cy="833614"/>
+          </a:xfrm>
+          <a:prstGeom prst="bentConnector2">
+            <a:avLst/>
+          </a:prstGeom>
+          <a:ln w="19050">
+            <a:tailEnd type="triangle"/>
+          </a:ln>
+        </p:spPr>
+        <p:style>
+          <a:lnRef idx="1">
+            <a:schemeClr val="dk1"/>
+          </a:lnRef>
+          <a:fillRef idx="0">
+            <a:schemeClr val="dk1"/>
+          </a:fillRef>
+          <a:effectRef idx="0">
+            <a:schemeClr val="dk1"/>
+          </a:effectRef>
+          <a:fontRef idx="minor">
+            <a:schemeClr val="tx1"/>
+          </a:fontRef>
+        </p:style>
+      </p:cxnSp>
+      <p:cxnSp>
+        <p:nvCxnSpPr>
+          <p:cNvPr id="55" name="Straight Connector 54">
+            <a:extLst>
+              <a:ext uri="{FF2B5EF4-FFF2-40B4-BE49-F238E27FC236}">
+                <a16:creationId xmlns:a16="http://schemas.microsoft.com/office/drawing/2014/main" id="{6B1C237F-04EC-449F-A63A-919877909902}"/>
+              </a:ext>
+            </a:extLst>
+          </p:cNvPr>
+          <p:cNvCxnSpPr>
+            <a:stCxn id="51" idx="6"/>
+          </p:cNvCxnSpPr>
+          <p:nvPr/>
+        </p:nvCxnSpPr>
+        <p:spPr>
+          <a:xfrm>
+            <a:off x="1161415" y="2316486"/>
+            <a:ext cx="4525010" cy="0"/>
+          </a:xfrm>
+          <a:prstGeom prst="line">
+            <a:avLst/>
+          </a:prstGeom>
+          <a:ln w="19050"/>
+        </p:spPr>
+        <p:style>
+          <a:lnRef idx="1">
+            <a:schemeClr val="dk1"/>
+          </a:lnRef>
+          <a:fillRef idx="0">
+            <a:schemeClr val="dk1"/>
+          </a:fillRef>
+          <a:effectRef idx="0">
+            <a:schemeClr val="dk1"/>
+          </a:effectRef>
+          <a:fontRef idx="minor">
+            <a:schemeClr val="tx1"/>
+          </a:fontRef>
+        </p:style>
+      </p:cxnSp>
+      <p:cxnSp>
+        <p:nvCxnSpPr>
+          <p:cNvPr id="57" name="Connector: Elbow 56">
+            <a:extLst>
+              <a:ext uri="{FF2B5EF4-FFF2-40B4-BE49-F238E27FC236}">
+                <a16:creationId xmlns:a16="http://schemas.microsoft.com/office/drawing/2014/main" id="{594BEC88-CF6D-44BF-9282-91A012225A36}"/>
+              </a:ext>
+            </a:extLst>
+          </p:cNvPr>
+          <p:cNvCxnSpPr/>
+          <p:nvPr/>
+        </p:nvCxnSpPr>
+        <p:spPr>
+          <a:xfrm>
+            <a:off x="5657850" y="2316486"/>
+            <a:ext cx="1138727" cy="1029495"/>
+          </a:xfrm>
+          <a:prstGeom prst="bentConnector3">
+            <a:avLst>
+              <a:gd name="adj1" fmla="val 3158"/>
+            </a:avLst>
+          </a:prstGeom>
+          <a:ln w="19050">
+            <a:tailEnd type="triangle"/>
+          </a:ln>
+        </p:spPr>
+        <p:style>
+          <a:lnRef idx="1">
+            <a:schemeClr val="dk1"/>
+          </a:lnRef>
+          <a:fillRef idx="0">
+            <a:schemeClr val="dk1"/>
+          </a:fillRef>
+          <a:effectRef idx="0">
+            <a:schemeClr val="dk1"/>
+          </a:effectRef>
+          <a:fontRef idx="minor">
+            <a:schemeClr val="tx1"/>
+          </a:fontRef>
+        </p:style>
+      </p:cxnSp>
+      <p:cxnSp>
+        <p:nvCxnSpPr>
+          <p:cNvPr id="67" name="Straight Connector 66">
+            <a:extLst>
+              <a:ext uri="{FF2B5EF4-FFF2-40B4-BE49-F238E27FC236}">
+                <a16:creationId xmlns:a16="http://schemas.microsoft.com/office/drawing/2014/main" id="{8C3294D7-DC08-4CD7-A8EF-9C3DEAEC30A1}"/>
+              </a:ext>
+            </a:extLst>
+          </p:cNvPr>
+          <p:cNvCxnSpPr>
+            <a:cxnSpLocks/>
+            <a:stCxn id="40" idx="5"/>
+            <a:endCxn id="51" idx="1"/>
+          </p:cNvCxnSpPr>
+          <p:nvPr/>
+        </p:nvCxnSpPr>
+        <p:spPr>
+          <a:xfrm>
+            <a:off x="515369" y="2039611"/>
+            <a:ext cx="544652" cy="234876"/>
+          </a:xfrm>
+          <a:prstGeom prst="line">
+            <a:avLst/>
+          </a:prstGeom>
+          <a:ln>
+            <a:prstDash val="dash"/>
+            <a:headEnd type="none" w="med" len="med"/>
+            <a:tailEnd type="triangle" w="med" len="med"/>
+          </a:ln>
+        </p:spPr>
+        <p:style>
+          <a:lnRef idx="1">
+            <a:schemeClr val="dk1"/>
+          </a:lnRef>
+          <a:fillRef idx="0">
+            <a:schemeClr val="dk1"/>
+          </a:fillRef>
+          <a:effectRef idx="0">
+            <a:schemeClr val="dk1"/>
+          </a:effectRef>
+          <a:fontRef idx="minor">
+            <a:schemeClr val="tx1"/>
+          </a:fontRef>
+        </p:style>
+      </p:cxnSp>
+      <p:cxnSp>
+        <p:nvCxnSpPr>
+          <p:cNvPr id="70" name="Straight Connector 69">
+            <a:extLst>
+              <a:ext uri="{FF2B5EF4-FFF2-40B4-BE49-F238E27FC236}">
+                <a16:creationId xmlns:a16="http://schemas.microsoft.com/office/drawing/2014/main" id="{98CAB932-D5C7-4922-AFA6-27A28BDB9C4E}"/>
+              </a:ext>
+            </a:extLst>
+          </p:cNvPr>
+          <p:cNvCxnSpPr>
+            <a:cxnSpLocks/>
+            <a:stCxn id="41" idx="3"/>
+            <a:endCxn id="51" idx="7"/>
+          </p:cNvCxnSpPr>
+          <p:nvPr/>
+        </p:nvCxnSpPr>
+        <p:spPr>
+          <a:xfrm flipH="1">
+            <a:off x="1144019" y="2039611"/>
+            <a:ext cx="615734" cy="234876"/>
+          </a:xfrm>
+          <a:prstGeom prst="line">
+            <a:avLst/>
+          </a:prstGeom>
+          <a:ln>
+            <a:prstDash val="dash"/>
+            <a:headEnd type="none" w="med" len="med"/>
+            <a:tailEnd type="triangle" w="med" len="med"/>
+          </a:ln>
+        </p:spPr>
+        <p:style>
+          <a:lnRef idx="1">
+            <a:schemeClr val="dk1"/>
+          </a:lnRef>
+          <a:fillRef idx="0">
+            <a:schemeClr val="dk1"/>
+          </a:fillRef>
+          <a:effectRef idx="0">
+            <a:schemeClr val="dk1"/>
+          </a:effectRef>
+          <a:fontRef idx="minor">
+            <a:schemeClr val="tx1"/>
+          </a:fontRef>
+        </p:style>
+      </p:cxnSp>
+      <p:sp>
+        <p:nvSpPr>
+          <p:cNvPr id="74" name="Rectangle: Rounded Corners 73">
+            <a:extLst>
+              <a:ext uri="{FF2B5EF4-FFF2-40B4-BE49-F238E27FC236}">
+                <a16:creationId xmlns:a16="http://schemas.microsoft.com/office/drawing/2014/main" id="{4D61FCCF-A6E1-418B-890C-BB9EA291C068}"/>
+              </a:ext>
+            </a:extLst>
+          </p:cNvPr>
+          <p:cNvSpPr/>
+          <p:nvPr/>
+        </p:nvSpPr>
+        <p:spPr>
+          <a:xfrm>
+            <a:off x="-87289" y="900805"/>
+            <a:ext cx="1121318" cy="243940"/>
+          </a:xfrm>
+          <a:prstGeom prst="roundRect">
+            <a:avLst/>
+          </a:prstGeom>
+          <a:ln>
+            <a:noFill/>
+          </a:ln>
+        </p:spPr>
+        <p:style>
+          <a:lnRef idx="2">
+            <a:schemeClr val="accent1"/>
+          </a:lnRef>
+          <a:fillRef idx="1">
+            <a:schemeClr val="lt1"/>
+          </a:fillRef>
+          <a:effectRef idx="0">
+            <a:schemeClr val="accent1"/>
+          </a:effectRef>
+          <a:fontRef idx="minor">
+            <a:schemeClr val="dk1"/>
+          </a:fontRef>
+        </p:style>
+        <p:txBody>
+          <a:bodyPr rtlCol="0" anchor="ctr"/>
+          <a:lstStyle/>
+          <a:p>
+            <a:pPr algn="ctr"/>
+            <a:r>
+              <a:rPr lang="en-US" sz="1600" b="1" dirty="0">
+                <a:solidFill>
+                  <a:schemeClr val="accent1"/>
+                </a:solidFill>
+              </a:rPr>
+              <a:t>TUM</a:t>
+            </a:r>
+          </a:p>
+        </p:txBody>
+      </p:sp>
+      <p:sp>
+        <p:nvSpPr>
+          <p:cNvPr id="75" name="Rectangle: Rounded Corners 74">
+            <a:extLst>
+              <a:ext uri="{FF2B5EF4-FFF2-40B4-BE49-F238E27FC236}">
+                <a16:creationId xmlns:a16="http://schemas.microsoft.com/office/drawing/2014/main" id="{A30736E7-8C22-40B1-A0CB-9C9CAC0FE453}"/>
+              </a:ext>
+            </a:extLst>
+          </p:cNvPr>
+          <p:cNvSpPr/>
+          <p:nvPr/>
+        </p:nvSpPr>
+        <p:spPr>
+          <a:xfrm>
+            <a:off x="1241093" y="900804"/>
+            <a:ext cx="1121318" cy="243940"/>
+          </a:xfrm>
+          <a:prstGeom prst="roundRect">
+            <a:avLst/>
+          </a:prstGeom>
+          <a:ln>
+            <a:noFill/>
+          </a:ln>
+        </p:spPr>
+        <p:style>
+          <a:lnRef idx="2">
+            <a:schemeClr val="accent1"/>
+          </a:lnRef>
+          <a:fillRef idx="1">
+            <a:schemeClr val="lt1"/>
+          </a:fillRef>
+          <a:effectRef idx="0">
+            <a:schemeClr val="accent1"/>
+          </a:effectRef>
+          <a:fontRef idx="minor">
+            <a:schemeClr val="dk1"/>
+          </a:fontRef>
+        </p:style>
+        <p:txBody>
+          <a:bodyPr rtlCol="0" anchor="ctr"/>
+          <a:lstStyle/>
+          <a:p>
+            <a:pPr algn="ctr"/>
+            <a:r>
+              <a:rPr lang="en-US" sz="1600" b="1" dirty="0">
+                <a:solidFill>
+                  <a:schemeClr val="accent1"/>
+                </a:solidFill>
+              </a:rPr>
+              <a:t>KITTI</a:t>
+            </a:r>
+          </a:p>
+        </p:txBody>
+      </p:sp>
+    </p:spTree>
+    <p:extLst>
+      <p:ext uri="{BB962C8B-B14F-4D97-AF65-F5344CB8AC3E}">
+        <p14:creationId xmlns:p14="http://schemas.microsoft.com/office/powerpoint/2010/main" val="1979679560"/>
+      </p:ext>
+    </p:extLst>
+  </p:cSld>
+  <p:clrMapOvr>
+    <a:masterClrMapping/>
+  </p:clrMapOvr>
+</p:sld>
+</file>
+
 <file path=ppt/theme/theme1.xml><?xml version="1.0" encoding="utf-8"?>
 <a:theme xmlns:a="http://schemas.openxmlformats.org/drawingml/2006/main" name="Office Theme">
   <a:themeElements>
